--- a/3rd/2학기_씨앗_3회.pptx
+++ b/3rd/2학기_씨앗_3회.pptx
@@ -226,7 +226,7 @@
           <a:p>
             <a:fld id="{8EAE290F-B4E2-4E57-9B1C-CC3C6B9C13A4}" type="datetimeFigureOut">
               <a:rPr lang="ko-KR" altLang="en-US" smtClean="0"/>
-              <a:t>2023-08-20</a:t>
+              <a:t>2023-10-09</a:t>
             </a:fld>
             <a:endParaRPr lang="ko-KR" altLang="en-US"/>
           </a:p>
@@ -724,7 +724,7 @@
           <a:p>
             <a:fld id="{46FB592F-1866-471B-8369-962215E884EB}" type="datetime1">
               <a:rPr lang="ko-KR" altLang="en-US" smtClean="0"/>
-              <a:t>2023-08-20</a:t>
+              <a:t>2023-10-09</a:t>
             </a:fld>
             <a:endParaRPr lang="ko-KR" altLang="en-US"/>
           </a:p>
@@ -922,7 +922,7 @@
           <a:p>
             <a:fld id="{03EC54D9-CEC2-4231-B18A-CD53338DA3F0}" type="datetime1">
               <a:rPr lang="ko-KR" altLang="en-US" smtClean="0"/>
-              <a:t>2023-08-20</a:t>
+              <a:t>2023-10-09</a:t>
             </a:fld>
             <a:endParaRPr lang="ko-KR" altLang="en-US"/>
           </a:p>
@@ -1130,7 +1130,7 @@
           <a:p>
             <a:fld id="{7EEAF396-2D55-444E-B5E5-67A0720F6F65}" type="datetime1">
               <a:rPr lang="ko-KR" altLang="en-US" smtClean="0"/>
-              <a:t>2023-08-20</a:t>
+              <a:t>2023-10-09</a:t>
             </a:fld>
             <a:endParaRPr lang="ko-KR" altLang="en-US"/>
           </a:p>
@@ -1328,7 +1328,7 @@
           <a:p>
             <a:fld id="{B09706D7-5F42-4959-957D-2BFD52762266}" type="datetime1">
               <a:rPr lang="ko-KR" altLang="en-US" smtClean="0"/>
-              <a:t>2023-08-20</a:t>
+              <a:t>2023-10-09</a:t>
             </a:fld>
             <a:endParaRPr lang="ko-KR" altLang="en-US"/>
           </a:p>
@@ -1603,7 +1603,7 @@
           <a:p>
             <a:fld id="{A0E500EC-7C13-4CC6-8CB9-B0533265ED13}" type="datetime1">
               <a:rPr lang="ko-KR" altLang="en-US" smtClean="0"/>
-              <a:t>2023-08-20</a:t>
+              <a:t>2023-10-09</a:t>
             </a:fld>
             <a:endParaRPr lang="ko-KR" altLang="en-US"/>
           </a:p>
@@ -1868,7 +1868,7 @@
           <a:p>
             <a:fld id="{16618C03-306C-4DE6-ABDE-61DA80775B2D}" type="datetime1">
               <a:rPr lang="ko-KR" altLang="en-US" smtClean="0"/>
-              <a:t>2023-08-20</a:t>
+              <a:t>2023-10-09</a:t>
             </a:fld>
             <a:endParaRPr lang="ko-KR" altLang="en-US"/>
           </a:p>
@@ -2280,7 +2280,7 @@
           <a:p>
             <a:fld id="{607ADABE-EE8A-4760-9821-E1E2B3F07092}" type="datetime1">
               <a:rPr lang="ko-KR" altLang="en-US" smtClean="0"/>
-              <a:t>2023-08-20</a:t>
+              <a:t>2023-10-09</a:t>
             </a:fld>
             <a:endParaRPr lang="ko-KR" altLang="en-US"/>
           </a:p>
@@ -2421,7 +2421,7 @@
           <a:p>
             <a:fld id="{FACCEE1C-D4C5-4B15-90C7-373075281ADC}" type="datetime1">
               <a:rPr lang="ko-KR" altLang="en-US" smtClean="0"/>
-              <a:t>2023-08-20</a:t>
+              <a:t>2023-10-09</a:t>
             </a:fld>
             <a:endParaRPr lang="ko-KR" altLang="en-US"/>
           </a:p>
@@ -2534,7 +2534,7 @@
           <a:p>
             <a:fld id="{05B634A9-2344-42E6-B91E-46A8ED0632C1}" type="datetime1">
               <a:rPr lang="ko-KR" altLang="en-US" smtClean="0"/>
-              <a:t>2023-08-20</a:t>
+              <a:t>2023-10-09</a:t>
             </a:fld>
             <a:endParaRPr lang="ko-KR" altLang="en-US"/>
           </a:p>
@@ -2845,7 +2845,7 @@
           <a:p>
             <a:fld id="{B2178117-4C9A-4E85-AE64-A7F83C95DAF6}" type="datetime1">
               <a:rPr lang="ko-KR" altLang="en-US" smtClean="0"/>
-              <a:t>2023-08-20</a:t>
+              <a:t>2023-10-09</a:t>
             </a:fld>
             <a:endParaRPr lang="ko-KR" altLang="en-US"/>
           </a:p>
@@ -3133,7 +3133,7 @@
           <a:p>
             <a:fld id="{B852AB6F-9094-4835-A6FD-BC9DEF33EF34}" type="datetime1">
               <a:rPr lang="ko-KR" altLang="en-US" smtClean="0"/>
-              <a:t>2023-08-20</a:t>
+              <a:t>2023-10-09</a:t>
             </a:fld>
             <a:endParaRPr lang="ko-KR" altLang="en-US"/>
           </a:p>
@@ -3374,7 +3374,7 @@
           <a:p>
             <a:fld id="{1BD16DA6-AC52-4EFA-BA91-CCC0674F73D1}" type="datetime1">
               <a:rPr lang="ko-KR" altLang="en-US" smtClean="0"/>
-              <a:t>2023-08-20</a:t>
+              <a:t>2023-10-09</a:t>
             </a:fld>
             <a:endParaRPr lang="ko-KR" altLang="en-US"/>
           </a:p>
@@ -4401,8 +4401,8 @@
           </a:p>
         </p:txBody>
       </p:sp>
-      <mc:AlternateContent xmlns:mc="http://schemas.openxmlformats.org/markup-compatibility/2006">
-        <mc:Choice xmlns:a14="http://schemas.microsoft.com/office/drawing/2010/main" Requires="a14">
+      <mc:AlternateContent xmlns:mc="http://schemas.openxmlformats.org/markup-compatibility/2006" xmlns:a14="http://schemas.microsoft.com/office/drawing/2010/main">
+        <mc:Choice Requires="a14">
           <p:sp>
             <p:nvSpPr>
               <p:cNvPr id="3" name="내용 개체 틀 2">
@@ -4701,7 +4701,7 @@
             </p:txBody>
           </p:sp>
         </mc:Choice>
-        <mc:Fallback>
+        <mc:Fallback xmlns="">
           <p:sp>
             <p:nvSpPr>
               <p:cNvPr id="3" name="내용 개체 틀 2">
@@ -5768,8 +5768,8 @@
           </a:p>
         </p:txBody>
       </p:sp>
-      <mc:AlternateContent xmlns:mc="http://schemas.openxmlformats.org/markup-compatibility/2006">
-        <mc:Choice xmlns:a14="http://schemas.microsoft.com/office/drawing/2010/main" Requires="a14">
+      <mc:AlternateContent xmlns:mc="http://schemas.openxmlformats.org/markup-compatibility/2006" xmlns:a14="http://schemas.microsoft.com/office/drawing/2010/main">
+        <mc:Choice Requires="a14">
           <p:sp>
             <p:nvSpPr>
               <p:cNvPr id="3" name="내용 개체 틀 2">
@@ -5934,7 +5934,7 @@
             </p:txBody>
           </p:sp>
         </mc:Choice>
-        <mc:Fallback>
+        <mc:Fallback xmlns="">
           <p:sp>
             <p:nvSpPr>
               <p:cNvPr id="3" name="내용 개체 틀 2">
@@ -6358,8 +6358,8 @@
           </a:p>
         </p:txBody>
       </p:sp>
-      <mc:AlternateContent xmlns:mc="http://schemas.openxmlformats.org/markup-compatibility/2006">
-        <mc:Choice xmlns:a14="http://schemas.microsoft.com/office/drawing/2010/main" Requires="a14">
+      <mc:AlternateContent xmlns:mc="http://schemas.openxmlformats.org/markup-compatibility/2006" xmlns:a14="http://schemas.microsoft.com/office/drawing/2010/main">
+        <mc:Choice Requires="a14">
           <p:sp>
             <p:nvSpPr>
               <p:cNvPr id="3" name="내용 개체 틀 2">
@@ -6533,7 +6533,7 @@
             </p:txBody>
           </p:sp>
         </mc:Choice>
-        <mc:Fallback>
+        <mc:Fallback xmlns="">
           <p:sp>
             <p:nvSpPr>
               <p:cNvPr id="3" name="내용 개체 틀 2">
@@ -7062,8 +7062,8 @@
           </a:p>
         </p:txBody>
       </p:sp>
-      <mc:AlternateContent xmlns:mc="http://schemas.openxmlformats.org/markup-compatibility/2006">
-        <mc:Choice xmlns:a14="http://schemas.microsoft.com/office/drawing/2010/main" Requires="a14">
+      <mc:AlternateContent xmlns:mc="http://schemas.openxmlformats.org/markup-compatibility/2006" xmlns:a14="http://schemas.microsoft.com/office/drawing/2010/main">
+        <mc:Choice Requires="a14">
           <p:sp>
             <p:nvSpPr>
               <p:cNvPr id="3" name="내용 개체 틀 2">
@@ -7260,7 +7260,7 @@
             </p:txBody>
           </p:sp>
         </mc:Choice>
-        <mc:Fallback>
+        <mc:Fallback xmlns="">
           <p:sp>
             <p:nvSpPr>
               <p:cNvPr id="3" name="내용 개체 틀 2">
@@ -10620,7 +10620,7 @@
                 <a:latin typeface="더잠실 2 Light" panose="00000300000000000000" pitchFamily="2" charset="-127"/>
                 <a:ea typeface="더잠실 2 Light" panose="00000300000000000000" pitchFamily="2" charset="-127"/>
               </a:rPr>
-              <a:t>지금까지 소개한 정렬</a:t>
+              <a:t>설계를 한 후</a:t>
             </a:r>
             <a:r>
               <a:rPr lang="en-US" altLang="ko-KR" dirty="0">
@@ -10634,96 +10634,31 @@
                 <a:latin typeface="더잠실 2 Light" panose="00000300000000000000" pitchFamily="2" charset="-127"/>
                 <a:ea typeface="더잠실 2 Light" panose="00000300000000000000" pitchFamily="2" charset="-127"/>
               </a:rPr>
-              <a:t>탐색</a:t>
+              <a:t>구현하는 건 당연히 중요한 일이지만</a:t>
             </a:r>
             <a:r>
               <a:rPr lang="en-US" altLang="ko-KR" dirty="0">
                 <a:latin typeface="더잠실 2 Light" panose="00000300000000000000" pitchFamily="2" charset="-127"/>
                 <a:ea typeface="더잠실 2 Light" panose="00000300000000000000" pitchFamily="2" charset="-127"/>
               </a:rPr>
-              <a:t>, </a:t>
-            </a:r>
+              <a:t>,</a:t>
+            </a:r>
+          </a:p>
+          <a:p>
+            <a:pPr marL="0" indent="0">
+              <a:buNone/>
+            </a:pPr>
             <a:r>
               <a:rPr lang="ko-KR" altLang="en-US" dirty="0">
                 <a:latin typeface="더잠실 2 Light" panose="00000300000000000000" pitchFamily="2" charset="-127"/>
                 <a:ea typeface="더잠실 2 Light" panose="00000300000000000000" pitchFamily="2" charset="-127"/>
               </a:rPr>
-              <a:t>자료구조가 </a:t>
+              <a:t>그것보다 중요한 건 알고리즘의 작동원리를 이해하는 것</a:t>
             </a:r>
             <a:endParaRPr lang="en-US" altLang="ko-KR" dirty="0">
               <a:latin typeface="더잠실 2 Light" panose="00000300000000000000" pitchFamily="2" charset="-127"/>
               <a:ea typeface="더잠실 2 Light" panose="00000300000000000000" pitchFamily="2" charset="-127"/>
             </a:endParaRPr>
-          </a:p>
-          <a:p>
-            <a:pPr marL="0" indent="0">
-              <a:buNone/>
-            </a:pPr>
-            <a:r>
-              <a:rPr lang="ko-KR" altLang="en-US" dirty="0">
-                <a:latin typeface="더잠실 2 Light" panose="00000300000000000000" pitchFamily="2" charset="-127"/>
-                <a:ea typeface="더잠실 2 Light" panose="00000300000000000000" pitchFamily="2" charset="-127"/>
-              </a:rPr>
-              <a:t>한 학기동안 배울</a:t>
-            </a:r>
-            <a:r>
-              <a:rPr lang="en-US" altLang="ko-KR" dirty="0">
-                <a:latin typeface="더잠실 2 Light" panose="00000300000000000000" pitchFamily="2" charset="-127"/>
-                <a:ea typeface="더잠실 2 Light" panose="00000300000000000000" pitchFamily="2" charset="-127"/>
-              </a:rPr>
-              <a:t> </a:t>
-            </a:r>
-            <a:r>
-              <a:rPr lang="ko-KR" altLang="en-US" dirty="0">
-                <a:latin typeface="더잠실 2 Light" panose="00000300000000000000" pitchFamily="2" charset="-127"/>
-                <a:ea typeface="더잠실 2 Light" panose="00000300000000000000" pitchFamily="2" charset="-127"/>
-              </a:rPr>
-              <a:t>분량의</a:t>
-            </a:r>
-            <a:r>
-              <a:rPr lang="ko-KR" altLang="en-US" dirty="0">
-                <a:solidFill>
-                  <a:srgbClr val="00B050"/>
-                </a:solidFill>
-                <a:latin typeface="더잠실 2 Light" panose="00000300000000000000" pitchFamily="2" charset="-127"/>
-                <a:ea typeface="더잠실 2 Light" panose="00000300000000000000" pitchFamily="2" charset="-127"/>
-              </a:rPr>
-              <a:t> </a:t>
-            </a:r>
-            <a:r>
-              <a:rPr lang="en-US" altLang="ko-KR" dirty="0">
-                <a:solidFill>
-                  <a:srgbClr val="00B050"/>
-                </a:solidFill>
-                <a:latin typeface="더잠실 2 Light" panose="00000300000000000000" pitchFamily="2" charset="-127"/>
-                <a:ea typeface="더잠실 2 Light" panose="00000300000000000000" pitchFamily="2" charset="-127"/>
-              </a:rPr>
-              <a:t>90%</a:t>
-            </a:r>
-            <a:r>
-              <a:rPr lang="ko-KR" altLang="en-US" dirty="0">
-                <a:solidFill>
-                  <a:srgbClr val="00B050"/>
-                </a:solidFill>
-                <a:latin typeface="더잠실 2 Light" panose="00000300000000000000" pitchFamily="2" charset="-127"/>
-                <a:ea typeface="더잠실 2 Light" panose="00000300000000000000" pitchFamily="2" charset="-127"/>
-              </a:rPr>
-              <a:t>이상</a:t>
-            </a:r>
-            <a:r>
-              <a:rPr lang="ko-KR" altLang="en-US" dirty="0">
-                <a:latin typeface="더잠실 2 Light" panose="00000300000000000000" pitchFamily="2" charset="-127"/>
-                <a:ea typeface="더잠실 2 Light" panose="00000300000000000000" pitchFamily="2" charset="-127"/>
-              </a:rPr>
-              <a:t>입니다</a:t>
-            </a:r>
-            <a:r>
-              <a:rPr lang="en-US" altLang="ko-KR" dirty="0">
-                <a:latin typeface="더잠실 2 Light" panose="00000300000000000000" pitchFamily="2" charset="-127"/>
-                <a:ea typeface="더잠실 2 Light" panose="00000300000000000000" pitchFamily="2" charset="-127"/>
-              </a:rPr>
-              <a:t>.</a:t>
-            </a:r>
           </a:p>
           <a:p>
             <a:pPr marL="0" indent="0">
@@ -10743,36 +10678,22 @@
                 <a:latin typeface="더잠실 2 Light" panose="00000300000000000000" pitchFamily="2" charset="-127"/>
                 <a:ea typeface="더잠실 2 Light" panose="00000300000000000000" pitchFamily="2" charset="-127"/>
               </a:rPr>
-              <a:t>제가 작성한 파이썬 코드는 제공해드릴 수 있지만</a:t>
-            </a:r>
-            <a:endParaRPr lang="en-US" altLang="ko-KR" dirty="0">
-              <a:latin typeface="더잠실 2 Light" panose="00000300000000000000" pitchFamily="2" charset="-127"/>
-              <a:ea typeface="더잠실 2 Light" panose="00000300000000000000" pitchFamily="2" charset="-127"/>
-            </a:endParaRPr>
-          </a:p>
-          <a:p>
-            <a:pPr marL="0" indent="0">
-              <a:buNone/>
-            </a:pPr>
+              <a:t>코드는 제공해드리지만</a:t>
+            </a:r>
+            <a:r>
+              <a:rPr lang="en-US" altLang="ko-KR" dirty="0">
+                <a:latin typeface="더잠실 2 Light" panose="00000300000000000000" pitchFamily="2" charset="-127"/>
+                <a:ea typeface="더잠실 2 Light" panose="00000300000000000000" pitchFamily="2" charset="-127"/>
+              </a:rPr>
+              <a:t>, </a:t>
+            </a:r>
             <a:r>
               <a:rPr lang="ko-KR" altLang="en-US" dirty="0">
                 <a:latin typeface="더잠실 2 Light" panose="00000300000000000000" pitchFamily="2" charset="-127"/>
                 <a:ea typeface="더잠실 2 Light" panose="00000300000000000000" pitchFamily="2" charset="-127"/>
               </a:rPr>
-              <a:t>일일이 알고리즘과 구현 방식을 설명하기엔 어렵습니다</a:t>
-            </a:r>
-            <a:r>
-              <a:rPr lang="en-US" altLang="ko-KR" dirty="0">
-                <a:latin typeface="더잠실 2 Light" panose="00000300000000000000" pitchFamily="2" charset="-127"/>
-                <a:ea typeface="더잠실 2 Light" panose="00000300000000000000" pitchFamily="2" charset="-127"/>
-              </a:rPr>
-              <a:t>.</a:t>
-            </a:r>
-          </a:p>
-          <a:p>
-            <a:pPr marL="0" indent="0">
-              <a:buNone/>
-            </a:pPr>
+              <a:t>구현은 직접해보시는 것으</a:t>
+            </a:r>
             <a:endParaRPr lang="en-US" altLang="ko-KR" dirty="0">
               <a:latin typeface="더잠실 2 Light" panose="00000300000000000000" pitchFamily="2" charset="-127"/>
               <a:ea typeface="더잠실 2 Light" panose="00000300000000000000" pitchFamily="2" charset="-127"/>
